--- a/datasets/Walmart_Sales_Analysis_Presentation.pptx
+++ b/datasets/Walmart_Sales_Analysis_Presentation.pptx
@@ -5,7 +5,7 @@
     <p:sldMasterId id="2147483648" r:id="rId1"/>
   </p:sldMasterIdLst>
   <p:notesMasterIdLst>
-    <p:notesMasterId r:id="rId12"/>
+    <p:notesMasterId r:id="rId13"/>
   </p:notesMasterIdLst>
   <p:sldIdLst>
     <p:sldId id="256" r:id="rId2"/>
@@ -17,7 +17,8 @@
     <p:sldId id="260" r:id="rId8"/>
     <p:sldId id="261" r:id="rId9"/>
     <p:sldId id="268" r:id="rId10"/>
-    <p:sldId id="264" r:id="rId11"/>
+    <p:sldId id="269" r:id="rId11"/>
+    <p:sldId id="264" r:id="rId12"/>
   </p:sldIdLst>
   <p:sldSz cx="9144000" cy="6858000" type="screen4x3"/>
   <p:notesSz cx="6858000" cy="9144000"/>
@@ -19950,6 +19951,290 @@
           <a:chExt cx="0" cy="0"/>
         </a:xfrm>
       </p:grpSpPr>
+      <p:sp>
+        <p:nvSpPr>
+          <p:cNvPr id="2" name="Title 1">
+            <a:extLst>
+              <a:ext uri="{FF2B5EF4-FFF2-40B4-BE49-F238E27FC236}">
+                <a16:creationId xmlns:a16="http://schemas.microsoft.com/office/drawing/2014/main" id="{AA8F231E-68BC-A70F-667B-F7C646FC931D}"/>
+              </a:ext>
+            </a:extLst>
+          </p:cNvPr>
+          <p:cNvSpPr>
+            <a:spLocks noGrp="1"/>
+          </p:cNvSpPr>
+          <p:nvPr>
+            <p:ph type="title"/>
+          </p:nvPr>
+        </p:nvSpPr>
+        <p:spPr>
+          <a:xfrm>
+            <a:off x="840699" y="687480"/>
+            <a:ext cx="5605629" cy="994172"/>
+          </a:xfrm>
+        </p:spPr>
+        <p:txBody>
+          <a:bodyPr>
+            <a:normAutofit/>
+          </a:bodyPr>
+          <a:lstStyle/>
+          <a:p>
+            <a:r>
+              <a:rPr lang="en-US" sz="3850">
+                <a:latin typeface="Times New Roman" panose="02020603050405020304" pitchFamily="18" charset="0"/>
+                <a:cs typeface="Times New Roman" panose="02020603050405020304" pitchFamily="18" charset="0"/>
+              </a:rPr>
+              <a:t>Conclusion</a:t>
+            </a:r>
+          </a:p>
+        </p:txBody>
+      </p:sp>
+      <p:sp>
+        <p:nvSpPr>
+          <p:cNvPr id="3" name="Content Placeholder 2">
+            <a:extLst>
+              <a:ext uri="{FF2B5EF4-FFF2-40B4-BE49-F238E27FC236}">
+                <a16:creationId xmlns:a16="http://schemas.microsoft.com/office/drawing/2014/main" id="{02FB4FA8-432F-263E-2019-983EACEDF39F}"/>
+              </a:ext>
+            </a:extLst>
+          </p:cNvPr>
+          <p:cNvSpPr>
+            <a:spLocks noGrp="1"/>
+          </p:cNvSpPr>
+          <p:nvPr>
+            <p:ph idx="1"/>
+          </p:nvPr>
+        </p:nvSpPr>
+        <p:spPr>
+          <a:xfrm>
+            <a:off x="852321" y="2227943"/>
+            <a:ext cx="5033221" cy="3788227"/>
+          </a:xfrm>
+        </p:spPr>
+        <p:txBody>
+          <a:bodyPr anchor="ctr">
+            <a:normAutofit/>
+          </a:bodyPr>
+          <a:lstStyle/>
+          <a:p>
+            <a:pPr marL="0" indent="0">
+              <a:buNone/>
+            </a:pPr>
+            <a:r>
+              <a:rPr lang="en-US" sz="2100">
+                <a:latin typeface="Times New Roman" panose="02020603050405020304" pitchFamily="18" charset="0"/>
+                <a:cs typeface="Times New Roman" panose="02020603050405020304" pitchFamily="18" charset="0"/>
+              </a:rPr>
+              <a:t>Walmart’s sales analysis highlights key trends across various timeframes, enabling the identification of peak sales periods and holiday performance. These insights can guide Walmart in optimizing inventory, enhancing marketing strategies, and maximizing revenue during critical sales periods.</a:t>
+            </a:r>
+          </a:p>
+        </p:txBody>
+      </p:sp>
+      <p:sp>
+        <p:nvSpPr>
+          <p:cNvPr id="13" name="Rectangle 12">
+            <a:extLst>
+              <a:ext uri="{FF2B5EF4-FFF2-40B4-BE49-F238E27FC236}">
+                <a16:creationId xmlns:a16="http://schemas.microsoft.com/office/drawing/2014/main" id="{59A309A7-1751-4ABE-A3C1-EEC40366AD89}"/>
+              </a:ext>
+              <a:ext uri="{C183D7F6-B498-43B3-948B-1728B52AA6E4}">
+                <adec:decorative xmlns:adec="http://schemas.microsoft.com/office/drawing/2017/decorative" val="1"/>
+              </a:ext>
+            </a:extLst>
+          </p:cNvPr>
+          <p:cNvSpPr>
+            <a:spLocks noGrp="1" noRot="1" noChangeAspect="1" noMove="1" noResize="1" noEditPoints="1" noAdjustHandles="1" noChangeArrowheads="1" noChangeShapeType="1" noTextEdit="1"/>
+          </p:cNvSpPr>
+          <p:nvPr>
+            <p:extLst>
+              <p:ext uri="{386F3935-93C4-4BCD-93E2-E3B085C9AB24}">
+                <p16:designElem xmlns:p16="http://schemas.microsoft.com/office/powerpoint/2015/main" val="1"/>
+              </p:ext>
+            </p:extLst>
+          </p:nvPr>
+        </p:nvSpPr>
+        <p:spPr>
+          <a:xfrm>
+            <a:off x="7189435" y="0"/>
+            <a:ext cx="1954565" cy="6858000"/>
+          </a:xfrm>
+          <a:prstGeom prst="rect">
+            <a:avLst/>
+          </a:prstGeom>
+          <a:solidFill>
+            <a:schemeClr val="accent1"/>
+          </a:solidFill>
+          <a:ln>
+            <a:noFill/>
+          </a:ln>
+        </p:spPr>
+        <p:style>
+          <a:lnRef idx="2">
+            <a:schemeClr val="accent1">
+              <a:shade val="50000"/>
+            </a:schemeClr>
+          </a:lnRef>
+          <a:fillRef idx="1">
+            <a:schemeClr val="accent1"/>
+          </a:fillRef>
+          <a:effectRef idx="0">
+            <a:schemeClr val="accent1"/>
+          </a:effectRef>
+          <a:fontRef idx="minor">
+            <a:schemeClr val="lt1"/>
+          </a:fontRef>
+        </p:style>
+        <p:txBody>
+          <a:bodyPr rtlCol="0" anchor="ctr"/>
+          <a:lstStyle/>
+          <a:p>
+            <a:pPr algn="ctr"/>
+            <a:endParaRPr lang="en-US" sz="1350"/>
+          </a:p>
+        </p:txBody>
+      </p:sp>
+      <p:sp>
+        <p:nvSpPr>
+          <p:cNvPr id="12" name="Oval 11">
+            <a:extLst>
+              <a:ext uri="{FF2B5EF4-FFF2-40B4-BE49-F238E27FC236}">
+                <a16:creationId xmlns:a16="http://schemas.microsoft.com/office/drawing/2014/main" id="{967D8EB6-EAE1-4F9C-B398-83321E287204}"/>
+              </a:ext>
+              <a:ext uri="{C183D7F6-B498-43B3-948B-1728B52AA6E4}">
+                <adec:decorative xmlns:adec="http://schemas.microsoft.com/office/drawing/2017/decorative" val="1"/>
+              </a:ext>
+            </a:extLst>
+          </p:cNvPr>
+          <p:cNvSpPr>
+            <a:spLocks noGrp="1" noRot="1" noChangeAspect="1" noMove="1" noResize="1" noEditPoints="1" noAdjustHandles="1" noChangeArrowheads="1" noChangeShapeType="1" noTextEdit="1"/>
+          </p:cNvSpPr>
+          <p:nvPr>
+            <p:extLst>
+              <p:ext uri="{386F3935-93C4-4BCD-93E2-E3B085C9AB24}">
+                <p16:designElem xmlns:p16="http://schemas.microsoft.com/office/powerpoint/2015/main" val="1"/>
+              </p:ext>
+            </p:extLst>
+          </p:nvPr>
+        </p:nvSpPr>
+        <p:spPr>
+          <a:xfrm>
+            <a:off x="6129567" y="2369132"/>
+            <a:ext cx="2119736" cy="2119736"/>
+          </a:xfrm>
+          <a:prstGeom prst="ellipse">
+            <a:avLst/>
+          </a:prstGeom>
+          <a:solidFill>
+            <a:srgbClr val="FFFFFF"/>
+          </a:solidFill>
+          <a:ln w="22225">
+            <a:solidFill>
+              <a:schemeClr val="accent1"/>
+            </a:solidFill>
+          </a:ln>
+        </p:spPr>
+        <p:style>
+          <a:lnRef idx="2">
+            <a:schemeClr val="accent1">
+              <a:shade val="50000"/>
+            </a:schemeClr>
+          </a:lnRef>
+          <a:fillRef idx="1">
+            <a:schemeClr val="accent1"/>
+          </a:fillRef>
+          <a:effectRef idx="0">
+            <a:schemeClr val="accent1"/>
+          </a:effectRef>
+          <a:fontRef idx="minor">
+            <a:schemeClr val="lt1"/>
+          </a:fontRef>
+        </p:style>
+        <p:txBody>
+          <a:bodyPr rtlCol="0" anchor="ctr"/>
+          <a:lstStyle/>
+          <a:p>
+            <a:pPr algn="ctr"/>
+            <a:endParaRPr lang="en-US" sz="1350"/>
+          </a:p>
+        </p:txBody>
+      </p:sp>
+      <p:pic>
+        <p:nvPicPr>
+          <p:cNvPr id="7" name="Graphic 6" descr="Shopping cart">
+            <a:extLst>
+              <a:ext uri="{FF2B5EF4-FFF2-40B4-BE49-F238E27FC236}">
+                <a16:creationId xmlns:a16="http://schemas.microsoft.com/office/drawing/2014/main" id="{65A20A13-B16B-42F4-6EDA-0DC6F850E7CF}"/>
+              </a:ext>
+            </a:extLst>
+          </p:cNvPr>
+          <p:cNvPicPr>
+            <a:picLocks noChangeAspect="1"/>
+          </p:cNvPicPr>
+          <p:nvPr/>
+        </p:nvPicPr>
+        <p:blipFill>
+          <a:blip r:embed="rId2">
+            <a:extLst>
+              <a:ext uri="{28A0092B-C50C-407E-A947-70E740481C1C}">
+                <a14:useLocalDpi xmlns:a14="http://schemas.microsoft.com/office/drawing/2010/main" val="0"/>
+              </a:ext>
+              <a:ext uri="{96DAC541-7B7A-43D3-8B79-37D633B846F1}">
+                <asvg:svgBlip xmlns:asvg="http://schemas.microsoft.com/office/drawing/2016/SVG/main" r:embed="rId3"/>
+              </a:ext>
+            </a:extLst>
+          </a:blip>
+          <a:stretch>
+            <a:fillRect/>
+          </a:stretch>
+        </p:blipFill>
+        <p:spPr>
+          <a:xfrm>
+            <a:off x="6624964" y="2865141"/>
+            <a:ext cx="1143455" cy="1143455"/>
+          </a:xfrm>
+          <a:prstGeom prst="rect">
+            <a:avLst/>
+          </a:prstGeom>
+        </p:spPr>
+      </p:pic>
+    </p:spTree>
+    <p:extLst>
+      <p:ext uri="{BB962C8B-B14F-4D97-AF65-F5344CB8AC3E}">
+        <p14:creationId xmlns:p14="http://schemas.microsoft.com/office/powerpoint/2010/main" val="2703909774"/>
+      </p:ext>
+    </p:extLst>
+  </p:cSld>
+  <p:clrMapOvr>
+    <a:masterClrMapping/>
+  </p:clrMapOvr>
+</p:sld>
+</file>
+
+<file path=ppt/slides/slide11.xml><?xml version="1.0" encoding="utf-8"?>
+<p:sld xmlns:a="http://schemas.openxmlformats.org/drawingml/2006/main" xmlns:r="http://schemas.openxmlformats.org/officeDocument/2006/relationships" xmlns:p="http://schemas.openxmlformats.org/presentationml/2006/main">
+  <p:cSld>
+    <p:bg>
+      <p:bgPr>
+        <a:solidFill>
+          <a:schemeClr val="bg1"/>
+        </a:solidFill>
+        <a:effectLst/>
+      </p:bgPr>
+    </p:bg>
+    <p:spTree>
+      <p:nvGrpSpPr>
+        <p:cNvPr id="1" name=""/>
+        <p:cNvGrpSpPr/>
+        <p:nvPr/>
+      </p:nvGrpSpPr>
+      <p:grpSpPr>
+        <a:xfrm>
+          <a:off x="0" y="0"/>
+          <a:ext cx="0" cy="0"/>
+          <a:chOff x="0" y="0"/>
+          <a:chExt cx="0" cy="0"/>
+        </a:xfrm>
+      </p:grpSpPr>
       <p:sp useBgFill="1">
         <p:nvSpPr>
           <p:cNvPr id="12" name="Rectangle 11">
@@ -22721,10 +23006,10 @@
       </p:grpSpPr>
       <p:sp useBgFill="1">
         <p:nvSpPr>
-          <p:cNvPr id="16" name="Rectangle 15">
+          <p:cNvPr id="29" name="Rectangle 28">
             <a:extLst>
               <a:ext uri="{FF2B5EF4-FFF2-40B4-BE49-F238E27FC236}">
-                <a16:creationId xmlns:a16="http://schemas.microsoft.com/office/drawing/2014/main" id="{12609869-9E80-471B-A487-A53288E0E791}"/>
+                <a16:creationId xmlns:a16="http://schemas.microsoft.com/office/drawing/2014/main" id="{352BEC0E-22F8-46D0-9632-375DB541B06C}"/>
               </a:ext>
               <a:ext uri="{C183D7F6-B498-43B3-948B-1728B52AA6E4}">
                 <adec:decorative xmlns:adec="http://schemas.microsoft.com/office/drawing/2017/decorative" val="1"/>
@@ -22745,30 +23030,14 @@
         <p:spPr>
           <a:xfrm>
             <a:off x="0" y="0"/>
-            <a:ext cx="9144000" cy="6858000"/>
+            <a:ext cx="9141714" cy="6858000"/>
           </a:xfrm>
           <a:prstGeom prst="rect">
             <a:avLst/>
           </a:prstGeom>
-          <a:ln w="12700" cap="flat" cmpd="sng" algn="ctr">
+          <a:ln>
             <a:noFill/>
-            <a:prstDash val="solid"/>
-            <a:miter lim="800000"/>
           </a:ln>
-          <a:effectLst/>
-          <a:extLst>
-            <a:ext uri="{91240B29-F687-4F45-9708-019B960494DF}">
-              <a14:hiddenLine xmlns:a14="http://schemas.microsoft.com/office/drawing/2010/main" w="12700" cap="flat" cmpd="sng" algn="ctr">
-                <a:solidFill>
-                  <a:schemeClr val="accent1">
-                    <a:shade val="50000"/>
-                  </a:schemeClr>
-                </a:solidFill>
-                <a:prstDash val="solid"/>
-                <a:miter lim="800000"/>
-              </a14:hiddenLine>
-            </a:ext>
-          </a:extLst>
         </p:spPr>
         <p:style>
           <a:lnRef idx="2">
@@ -22813,8 +23082,8 @@
         </p:nvSpPr>
         <p:spPr>
           <a:xfrm>
-            <a:off x="852297" y="502020"/>
-            <a:ext cx="3992787" cy="1642970"/>
+            <a:off x="480060" y="329184"/>
+            <a:ext cx="5170932" cy="1783080"/>
           </a:xfrm>
         </p:spPr>
         <p:txBody>
@@ -22824,7 +23093,7 @@
           <a:lstStyle/>
           <a:p>
             <a:r>
-              <a:rPr lang="en-US" sz="3500" dirty="0">
+              <a:rPr lang="en-US" sz="4700">
                 <a:latin typeface="Times New Roman" panose="02020603050405020304" pitchFamily="18" charset="0"/>
                 <a:cs typeface="Times New Roman" panose="02020603050405020304" pitchFamily="18" charset="0"/>
               </a:rPr>
@@ -22835,63 +23104,10 @@
       </p:sp>
       <p:sp>
         <p:nvSpPr>
-          <p:cNvPr id="3" name="Content Placeholder 2">
+          <p:cNvPr id="31" name="sketch line">
             <a:extLst>
               <a:ext uri="{FF2B5EF4-FFF2-40B4-BE49-F238E27FC236}">
-                <a16:creationId xmlns:a16="http://schemas.microsoft.com/office/drawing/2014/main" id="{9CEC0BBF-6D21-018F-7389-21085A5EFF96}"/>
-              </a:ext>
-            </a:extLst>
-          </p:cNvPr>
-          <p:cNvSpPr>
-            <a:spLocks noGrp="1"/>
-          </p:cNvSpPr>
-          <p:nvPr>
-            <p:ph idx="1"/>
-          </p:nvPr>
-        </p:nvSpPr>
-        <p:spPr>
-          <a:xfrm>
-            <a:off x="858692" y="2405894"/>
-            <a:ext cx="3986392" cy="3535083"/>
-          </a:xfrm>
-        </p:spPr>
-        <p:txBody>
-          <a:bodyPr anchor="t">
-            <a:normAutofit/>
-          </a:bodyPr>
-          <a:lstStyle/>
-          <a:p>
-            <a:r>
-              <a:rPr lang="en-US" sz="1700" dirty="0">
-                <a:latin typeface="Times New Roman" panose="02020603050405020304" pitchFamily="18" charset="0"/>
-                <a:cs typeface="Times New Roman" panose="02020603050405020304" pitchFamily="18" charset="0"/>
-              </a:rPr>
-              <a:t>Walmart sales analysis for 2010, 2011, and 2012 displayed annually, showcasing total yearly sales.</a:t>
-            </a:r>
-          </a:p>
-          <a:p>
-            <a:r>
-              <a:rPr lang="en-US" sz="1700" dirty="0">
-                <a:latin typeface="Times New Roman" panose="02020603050405020304" pitchFamily="18" charset="0"/>
-                <a:cs typeface="Times New Roman" panose="02020603050405020304" pitchFamily="18" charset="0"/>
-              </a:rPr>
-              <a:t>Walmart holiday sales analysis for 2010, 2011, and 2012 displayed according to the total sales during holiday periods.</a:t>
-            </a:r>
-          </a:p>
-          <a:p>
-            <a:endParaRPr lang="en-US" sz="1700" dirty="0">
-              <a:latin typeface="Times New Roman" panose="02020603050405020304" pitchFamily="18" charset="0"/>
-              <a:cs typeface="Times New Roman" panose="02020603050405020304" pitchFamily="18" charset="0"/>
-            </a:endParaRPr>
-          </a:p>
-        </p:txBody>
-      </p:sp>
-      <p:sp>
-        <p:nvSpPr>
-          <p:cNvPr id="18" name="Rectangle 17">
-            <a:extLst>
-              <a:ext uri="{FF2B5EF4-FFF2-40B4-BE49-F238E27FC236}">
-                <a16:creationId xmlns:a16="http://schemas.microsoft.com/office/drawing/2014/main" id="{7004738A-9D34-43E8-97D2-CA0EED4F8BE0}"/>
+                <a16:creationId xmlns:a16="http://schemas.microsoft.com/office/drawing/2014/main" id="{3FCFB1DE-0B7E-48CC-BA90-B2AB0889F9D6}"/>
               </a:ext>
               <a:ext uri="{C183D7F6-B498-43B3-948B-1728B52AA6E4}">
                 <adec:decorative xmlns:adec="http://schemas.microsoft.com/office/drawing/2017/decorative" val="1"/>
@@ -22910,28 +23126,238 @@
           </p:nvPr>
         </p:nvSpPr>
         <p:spPr>
-          <a:xfrm rot="10800000" flipH="1">
-            <a:off x="6092499" y="-5"/>
-            <a:ext cx="3069391" cy="6858000"/>
+          <a:xfrm>
+            <a:off x="569214" y="2395728"/>
+            <a:ext cx="3182691" cy="18288"/>
           </a:xfrm>
-          <a:prstGeom prst="rect">
+          <a:custGeom>
             <a:avLst/>
-          </a:prstGeom>
-          <a:gradFill>
-            <a:gsLst>
-              <a:gs pos="8000">
-                <a:srgbClr val="000000">
-                  <a:alpha val="94000"/>
-                </a:srgbClr>
-              </a:gs>
-              <a:gs pos="100000">
-                <a:schemeClr val="accent1"/>
-              </a:gs>
-            </a:gsLst>
-            <a:lin ang="2400000" scaled="0"/>
-          </a:gradFill>
-          <a:ln>
-            <a:noFill/>
+            <a:gdLst>
+              <a:gd name="connsiteX0" fmla="*/ 0 w 3182691"/>
+              <a:gd name="connsiteY0" fmla="*/ 0 h 18288"/>
+              <a:gd name="connsiteX1" fmla="*/ 636538 w 3182691"/>
+              <a:gd name="connsiteY1" fmla="*/ 0 h 18288"/>
+              <a:gd name="connsiteX2" fmla="*/ 1273076 w 3182691"/>
+              <a:gd name="connsiteY2" fmla="*/ 0 h 18288"/>
+              <a:gd name="connsiteX3" fmla="*/ 1909615 w 3182691"/>
+              <a:gd name="connsiteY3" fmla="*/ 0 h 18288"/>
+              <a:gd name="connsiteX4" fmla="*/ 2482499 w 3182691"/>
+              <a:gd name="connsiteY4" fmla="*/ 0 h 18288"/>
+              <a:gd name="connsiteX5" fmla="*/ 3182691 w 3182691"/>
+              <a:gd name="connsiteY5" fmla="*/ 0 h 18288"/>
+              <a:gd name="connsiteX6" fmla="*/ 3182691 w 3182691"/>
+              <a:gd name="connsiteY6" fmla="*/ 18288 h 18288"/>
+              <a:gd name="connsiteX7" fmla="*/ 2609807 w 3182691"/>
+              <a:gd name="connsiteY7" fmla="*/ 18288 h 18288"/>
+              <a:gd name="connsiteX8" fmla="*/ 2068749 w 3182691"/>
+              <a:gd name="connsiteY8" fmla="*/ 18288 h 18288"/>
+              <a:gd name="connsiteX9" fmla="*/ 1432211 w 3182691"/>
+              <a:gd name="connsiteY9" fmla="*/ 18288 h 18288"/>
+              <a:gd name="connsiteX10" fmla="*/ 859327 w 3182691"/>
+              <a:gd name="connsiteY10" fmla="*/ 18288 h 18288"/>
+              <a:gd name="connsiteX11" fmla="*/ 0 w 3182691"/>
+              <a:gd name="connsiteY11" fmla="*/ 18288 h 18288"/>
+              <a:gd name="connsiteX12" fmla="*/ 0 w 3182691"/>
+              <a:gd name="connsiteY12" fmla="*/ 0 h 18288"/>
+            </a:gdLst>
+            <a:ahLst/>
+            <a:cxnLst>
+              <a:cxn ang="0">
+                <a:pos x="connsiteX0" y="connsiteY0"/>
+              </a:cxn>
+              <a:cxn ang="0">
+                <a:pos x="connsiteX1" y="connsiteY1"/>
+              </a:cxn>
+              <a:cxn ang="0">
+                <a:pos x="connsiteX2" y="connsiteY2"/>
+              </a:cxn>
+              <a:cxn ang="0">
+                <a:pos x="connsiteX3" y="connsiteY3"/>
+              </a:cxn>
+              <a:cxn ang="0">
+                <a:pos x="connsiteX4" y="connsiteY4"/>
+              </a:cxn>
+              <a:cxn ang="0">
+                <a:pos x="connsiteX5" y="connsiteY5"/>
+              </a:cxn>
+              <a:cxn ang="0">
+                <a:pos x="connsiteX6" y="connsiteY6"/>
+              </a:cxn>
+              <a:cxn ang="0">
+                <a:pos x="connsiteX7" y="connsiteY7"/>
+              </a:cxn>
+              <a:cxn ang="0">
+                <a:pos x="connsiteX8" y="connsiteY8"/>
+              </a:cxn>
+              <a:cxn ang="0">
+                <a:pos x="connsiteX9" y="connsiteY9"/>
+              </a:cxn>
+              <a:cxn ang="0">
+                <a:pos x="connsiteX10" y="connsiteY10"/>
+              </a:cxn>
+              <a:cxn ang="0">
+                <a:pos x="connsiteX11" y="connsiteY11"/>
+              </a:cxn>
+              <a:cxn ang="0">
+                <a:pos x="connsiteX12" y="connsiteY12"/>
+              </a:cxn>
+            </a:cxnLst>
+            <a:rect l="l" t="t" r="r" b="b"/>
+            <a:pathLst>
+              <a:path w="3182691" h="18288" fill="none" extrusionOk="0">
+                <a:moveTo>
+                  <a:pt x="0" y="0"/>
+                </a:moveTo>
+                <a:cubicBezTo>
+                  <a:pt x="253588" y="25878"/>
+                  <a:pt x="409323" y="-5359"/>
+                  <a:pt x="636538" y="0"/>
+                </a:cubicBezTo>
+                <a:cubicBezTo>
+                  <a:pt x="863753" y="5359"/>
+                  <a:pt x="1013406" y="3458"/>
+                  <a:pt x="1273076" y="0"/>
+                </a:cubicBezTo>
+                <a:cubicBezTo>
+                  <a:pt x="1532746" y="-3458"/>
+                  <a:pt x="1697408" y="-16840"/>
+                  <a:pt x="1909615" y="0"/>
+                </a:cubicBezTo>
+                <a:cubicBezTo>
+                  <a:pt x="2121822" y="16840"/>
+                  <a:pt x="2213494" y="-18555"/>
+                  <a:pt x="2482499" y="0"/>
+                </a:cubicBezTo>
+                <a:cubicBezTo>
+                  <a:pt x="2751504" y="18555"/>
+                  <a:pt x="3004132" y="-28750"/>
+                  <a:pt x="3182691" y="0"/>
+                </a:cubicBezTo>
+                <a:cubicBezTo>
+                  <a:pt x="3183133" y="4516"/>
+                  <a:pt x="3181864" y="12266"/>
+                  <a:pt x="3182691" y="18288"/>
+                </a:cubicBezTo>
+                <a:cubicBezTo>
+                  <a:pt x="2947041" y="16687"/>
+                  <a:pt x="2875741" y="22937"/>
+                  <a:pt x="2609807" y="18288"/>
+                </a:cubicBezTo>
+                <a:cubicBezTo>
+                  <a:pt x="2343873" y="13639"/>
+                  <a:pt x="2331203" y="31729"/>
+                  <a:pt x="2068749" y="18288"/>
+                </a:cubicBezTo>
+                <a:cubicBezTo>
+                  <a:pt x="1806295" y="4847"/>
+                  <a:pt x="1713773" y="47088"/>
+                  <a:pt x="1432211" y="18288"/>
+                </a:cubicBezTo>
+                <a:cubicBezTo>
+                  <a:pt x="1150649" y="-10512"/>
+                  <a:pt x="982765" y="3747"/>
+                  <a:pt x="859327" y="18288"/>
+                </a:cubicBezTo>
+                <a:cubicBezTo>
+                  <a:pt x="735889" y="32829"/>
+                  <a:pt x="254183" y="35231"/>
+                  <a:pt x="0" y="18288"/>
+                </a:cubicBezTo>
+                <a:cubicBezTo>
+                  <a:pt x="-306" y="11477"/>
+                  <a:pt x="485" y="4355"/>
+                  <a:pt x="0" y="0"/>
+                </a:cubicBezTo>
+                <a:close/>
+              </a:path>
+              <a:path w="3182691" h="18288" stroke="0" extrusionOk="0">
+                <a:moveTo>
+                  <a:pt x="0" y="0"/>
+                </a:moveTo>
+                <a:cubicBezTo>
+                  <a:pt x="247695" y="-19360"/>
+                  <a:pt x="392581" y="-28596"/>
+                  <a:pt x="572884" y="0"/>
+                </a:cubicBezTo>
+                <a:cubicBezTo>
+                  <a:pt x="753187" y="28596"/>
+                  <a:pt x="922042" y="4121"/>
+                  <a:pt x="1113942" y="0"/>
+                </a:cubicBezTo>
+                <a:cubicBezTo>
+                  <a:pt x="1305842" y="-4121"/>
+                  <a:pt x="1501806" y="28092"/>
+                  <a:pt x="1686826" y="0"/>
+                </a:cubicBezTo>
+                <a:cubicBezTo>
+                  <a:pt x="1871846" y="-28092"/>
+                  <a:pt x="2170181" y="-20672"/>
+                  <a:pt x="2323364" y="0"/>
+                </a:cubicBezTo>
+                <a:cubicBezTo>
+                  <a:pt x="2476547" y="20672"/>
+                  <a:pt x="2919163" y="6097"/>
+                  <a:pt x="3182691" y="0"/>
+                </a:cubicBezTo>
+                <a:cubicBezTo>
+                  <a:pt x="3183268" y="4624"/>
+                  <a:pt x="3183510" y="11191"/>
+                  <a:pt x="3182691" y="18288"/>
+                </a:cubicBezTo>
+                <a:cubicBezTo>
+                  <a:pt x="3026064" y="-10849"/>
+                  <a:pt x="2775005" y="23067"/>
+                  <a:pt x="2546153" y="18288"/>
+                </a:cubicBezTo>
+                <a:cubicBezTo>
+                  <a:pt x="2317301" y="13509"/>
+                  <a:pt x="2164351" y="-9884"/>
+                  <a:pt x="1845961" y="18288"/>
+                </a:cubicBezTo>
+                <a:cubicBezTo>
+                  <a:pt x="1527571" y="46460"/>
+                  <a:pt x="1455006" y="5824"/>
+                  <a:pt x="1304903" y="18288"/>
+                </a:cubicBezTo>
+                <a:cubicBezTo>
+                  <a:pt x="1154800" y="30752"/>
+                  <a:pt x="942107" y="-12056"/>
+                  <a:pt x="604711" y="18288"/>
+                </a:cubicBezTo>
+                <a:cubicBezTo>
+                  <a:pt x="267315" y="48632"/>
+                  <a:pt x="141927" y="-8395"/>
+                  <a:pt x="0" y="18288"/>
+                </a:cubicBezTo>
+                <a:cubicBezTo>
+                  <a:pt x="-171" y="12755"/>
+                  <a:pt x="-690" y="7930"/>
+                  <a:pt x="0" y="0"/>
+                </a:cubicBezTo>
+                <a:close/>
+              </a:path>
+            </a:pathLst>
+          </a:custGeom>
+          <a:solidFill>
+            <a:schemeClr val="accent2"/>
+          </a:solidFill>
+          <a:ln w="41275" cap="rnd">
+            <a:solidFill>
+              <a:schemeClr val="accent2"/>
+            </a:solidFill>
+            <a:round/>
+            <a:extLst>
+              <a:ext uri="{C807C97D-BFC1-408E-A445-0C87EB9F89A2}">
+                <ask:lineSketchStyleProps xmlns:ask="http://schemas.microsoft.com/office/drawing/2018/sketchyshapes" sd="2727557108">
+                  <a:prstGeom prst="rect">
+                    <a:avLst/>
+                  </a:prstGeom>
+                  <ask:type>
+                    <ask:lineSketchFreehand/>
+                  </ask:type>
+                </ask:lineSketchStyleProps>
+              </a:ext>
+            </a:extLst>
           </a:ln>
         </p:spPr>
         <p:style>
@@ -22961,228 +23387,54 @@
       </p:sp>
       <p:sp>
         <p:nvSpPr>
-          <p:cNvPr id="20" name="Rectangle 19">
+          <p:cNvPr id="3" name="Content Placeholder 2">
             <a:extLst>
               <a:ext uri="{FF2B5EF4-FFF2-40B4-BE49-F238E27FC236}">
-                <a16:creationId xmlns:a16="http://schemas.microsoft.com/office/drawing/2014/main" id="{B8B8D07F-F13E-443E-BA68-2D26672D76B9}"/>
-              </a:ext>
-              <a:ext uri="{C183D7F6-B498-43B3-948B-1728B52AA6E4}">
-                <adec:decorative xmlns:adec="http://schemas.microsoft.com/office/drawing/2017/decorative" val="1"/>
+                <a16:creationId xmlns:a16="http://schemas.microsoft.com/office/drawing/2014/main" id="{9CEC0BBF-6D21-018F-7389-21085A5EFF96}"/>
               </a:ext>
             </a:extLst>
           </p:cNvPr>
           <p:cNvSpPr>
-            <a:spLocks noGrp="1" noRot="1" noChangeAspect="1" noMove="1" noResize="1" noEditPoints="1" noAdjustHandles="1" noChangeArrowheads="1" noChangeShapeType="1" noTextEdit="1"/>
+            <a:spLocks noGrp="1"/>
           </p:cNvSpPr>
           <p:nvPr>
-            <p:extLst>
-              <p:ext uri="{386F3935-93C4-4BCD-93E2-E3B085C9AB24}">
-                <p16:designElem xmlns:p16="http://schemas.microsoft.com/office/powerpoint/2015/main" val="1"/>
-              </p:ext>
-            </p:extLst>
+            <p:ph idx="1"/>
           </p:nvPr>
         </p:nvSpPr>
         <p:spPr>
-          <a:xfrm rot="10800000" flipH="1">
-            <a:off x="6092499" y="-2"/>
-            <a:ext cx="3069391" cy="6400369"/>
+          <a:xfrm>
+            <a:off x="480060" y="2706624"/>
+            <a:ext cx="5170932" cy="3483864"/>
           </a:xfrm>
-          <a:prstGeom prst="rect">
-            <a:avLst/>
-          </a:prstGeom>
-          <a:gradFill>
-            <a:gsLst>
-              <a:gs pos="31000">
-                <a:schemeClr val="accent1">
-                  <a:lumMod val="50000"/>
-                  <a:alpha val="0"/>
-                </a:schemeClr>
-              </a:gs>
-              <a:gs pos="100000">
-                <a:schemeClr val="accent1">
-                  <a:lumMod val="50000"/>
-                  <a:alpha val="26000"/>
-                </a:schemeClr>
-              </a:gs>
-            </a:gsLst>
-            <a:lin ang="18000000" scaled="0"/>
-          </a:gradFill>
-          <a:ln>
-            <a:noFill/>
-          </a:ln>
         </p:spPr>
-        <p:style>
-          <a:lnRef idx="2">
-            <a:schemeClr val="accent1">
-              <a:shade val="50000"/>
-            </a:schemeClr>
-          </a:lnRef>
-          <a:fillRef idx="1">
-            <a:schemeClr val="accent1"/>
-          </a:fillRef>
-          <a:effectRef idx="0">
-            <a:schemeClr val="accent1"/>
-          </a:effectRef>
-          <a:fontRef idx="minor">
-            <a:schemeClr val="lt1"/>
-          </a:fontRef>
-        </p:style>
         <p:txBody>
-          <a:bodyPr rtlCol="0" anchor="ctr"/>
+          <a:bodyPr>
+            <a:normAutofit/>
+          </a:bodyPr>
           <a:lstStyle/>
           <a:p>
-            <a:pPr algn="ctr"/>
-            <a:endParaRPr lang="en-US" dirty="0"/>
+            <a:r>
+              <a:rPr lang="en-US" sz="1900">
+                <a:latin typeface="Times New Roman" panose="02020603050405020304" pitchFamily="18" charset="0"/>
+                <a:cs typeface="Times New Roman" panose="02020603050405020304" pitchFamily="18" charset="0"/>
+              </a:rPr>
+              <a:t>Walmart sales analysis for 2010, 2011, and 2012 displayed annually, showcasing total yearly sales.</a:t>
+            </a:r>
           </a:p>
-        </p:txBody>
-      </p:sp>
-      <p:sp>
-        <p:nvSpPr>
-          <p:cNvPr id="22" name="Rectangle 21">
-            <a:extLst>
-              <a:ext uri="{FF2B5EF4-FFF2-40B4-BE49-F238E27FC236}">
-                <a16:creationId xmlns:a16="http://schemas.microsoft.com/office/drawing/2014/main" id="{2813A4FA-24A5-41ED-A534-3807D1B2F344}"/>
-              </a:ext>
-              <a:ext uri="{C183D7F6-B498-43B3-948B-1728B52AA6E4}">
-                <adec:decorative xmlns:adec="http://schemas.microsoft.com/office/drawing/2017/decorative" val="1"/>
-              </a:ext>
-            </a:extLst>
-          </p:cNvPr>
-          <p:cNvSpPr>
-            <a:spLocks noGrp="1" noRot="1" noChangeAspect="1" noMove="1" noResize="1" noEditPoints="1" noAdjustHandles="1" noChangeArrowheads="1" noChangeShapeType="1" noTextEdit="1"/>
-          </p:cNvSpPr>
-          <p:nvPr>
-            <p:extLst>
-              <p:ext uri="{386F3935-93C4-4BCD-93E2-E3B085C9AB24}">
-                <p16:designElem xmlns:p16="http://schemas.microsoft.com/office/powerpoint/2015/main" val="1"/>
-              </p:ext>
-            </p:extLst>
-          </p:nvPr>
-        </p:nvSpPr>
-        <p:spPr>
-          <a:xfrm rot="10800000" flipH="1">
-            <a:off x="6092499" y="-22"/>
-            <a:ext cx="3051501" cy="6400389"/>
-          </a:xfrm>
-          <a:prstGeom prst="rect">
-            <a:avLst/>
-          </a:prstGeom>
-          <a:gradFill>
-            <a:gsLst>
-              <a:gs pos="0">
-                <a:schemeClr val="accent1">
-                  <a:alpha val="0"/>
-                </a:schemeClr>
-              </a:gs>
-              <a:gs pos="72000">
-                <a:srgbClr val="000000">
-                  <a:alpha val="21000"/>
-                </a:srgbClr>
-              </a:gs>
-            </a:gsLst>
-            <a:lin ang="3000000" scaled="0"/>
-          </a:gradFill>
-          <a:ln>
-            <a:noFill/>
-          </a:ln>
-        </p:spPr>
-        <p:style>
-          <a:lnRef idx="2">
-            <a:schemeClr val="accent1">
-              <a:shade val="50000"/>
-            </a:schemeClr>
-          </a:lnRef>
-          <a:fillRef idx="1">
-            <a:schemeClr val="accent1"/>
-          </a:fillRef>
-          <a:effectRef idx="0">
-            <a:schemeClr val="accent1"/>
-          </a:effectRef>
-          <a:fontRef idx="minor">
-            <a:schemeClr val="lt1"/>
-          </a:fontRef>
-        </p:style>
-        <p:txBody>
-          <a:bodyPr rtlCol="0" anchor="ctr"/>
-          <a:lstStyle/>
           <a:p>
-            <a:pPr algn="ctr"/>
-            <a:endParaRPr lang="en-US" dirty="0"/>
+            <a:r>
+              <a:rPr lang="en-US" sz="1900">
+                <a:latin typeface="Times New Roman" panose="02020603050405020304" pitchFamily="18" charset="0"/>
+                <a:cs typeface="Times New Roman" panose="02020603050405020304" pitchFamily="18" charset="0"/>
+              </a:rPr>
+              <a:t>Walmart holiday sales analysis for 2010, 2011, and 2012 displayed according to the total sales during holiday periods.</a:t>
+            </a:r>
           </a:p>
-        </p:txBody>
-      </p:sp>
-      <p:sp>
-        <p:nvSpPr>
-          <p:cNvPr id="24" name="Rectangle 23">
-            <a:extLst>
-              <a:ext uri="{FF2B5EF4-FFF2-40B4-BE49-F238E27FC236}">
-                <a16:creationId xmlns:a16="http://schemas.microsoft.com/office/drawing/2014/main" id="{C3944F27-CA70-4E84-A51A-E6BF89558979}"/>
-              </a:ext>
-              <a:ext uri="{C183D7F6-B498-43B3-948B-1728B52AA6E4}">
-                <adec:decorative xmlns:adec="http://schemas.microsoft.com/office/drawing/2017/decorative" val="1"/>
-              </a:ext>
-            </a:extLst>
-          </p:cNvPr>
-          <p:cNvSpPr>
-            <a:spLocks noGrp="1" noRot="1" noChangeAspect="1" noMove="1" noResize="1" noEditPoints="1" noAdjustHandles="1" noChangeArrowheads="1" noChangeShapeType="1" noTextEdit="1"/>
-          </p:cNvSpPr>
-          <p:nvPr>
-            <p:extLst>
-              <p:ext uri="{386F3935-93C4-4BCD-93E2-E3B085C9AB24}">
-                <p16:designElem xmlns:p16="http://schemas.microsoft.com/office/powerpoint/2015/main" val="1"/>
-              </p:ext>
-            </p:extLst>
-          </p:nvPr>
-        </p:nvSpPr>
-        <p:spPr>
-          <a:xfrm rot="10800000" flipH="1">
-            <a:off x="6092499" y="-10"/>
-            <a:ext cx="2708601" cy="6857997"/>
-          </a:xfrm>
-          <a:prstGeom prst="rect">
-            <a:avLst/>
-          </a:prstGeom>
-          <a:gradFill>
-            <a:gsLst>
-              <a:gs pos="0">
-                <a:schemeClr val="accent1">
-                  <a:alpha val="0"/>
-                </a:schemeClr>
-              </a:gs>
-              <a:gs pos="93000">
-                <a:srgbClr val="000000">
-                  <a:alpha val="29000"/>
-                </a:srgbClr>
-              </a:gs>
-            </a:gsLst>
-            <a:lin ang="5400000" scaled="0"/>
-          </a:gradFill>
-          <a:ln>
-            <a:noFill/>
-          </a:ln>
-        </p:spPr>
-        <p:style>
-          <a:lnRef idx="2">
-            <a:schemeClr val="accent1">
-              <a:shade val="50000"/>
-            </a:schemeClr>
-          </a:lnRef>
-          <a:fillRef idx="1">
-            <a:schemeClr val="accent1"/>
-          </a:fillRef>
-          <a:effectRef idx="0">
-            <a:schemeClr val="accent1"/>
-          </a:effectRef>
-          <a:fontRef idx="minor">
-            <a:schemeClr val="lt1"/>
-          </a:fontRef>
-        </p:style>
-        <p:txBody>
-          <a:bodyPr rtlCol="0" anchor="ctr"/>
-          <a:lstStyle/>
           <a:p>
-            <a:pPr algn="ctr"/>
-            <a:endParaRPr lang="en-US" dirty="0"/>
+            <a:endParaRPr lang="en-US" sz="1900">
+              <a:latin typeface="Times New Roman" panose="02020603050405020304" pitchFamily="18" charset="0"/>
+              <a:cs typeface="Times New Roman" panose="02020603050405020304" pitchFamily="18" charset="0"/>
+            </a:endParaRPr>
           </a:p>
         </p:txBody>
       </p:sp>
@@ -23207,8 +23459,38 @@
         </p:blipFill>
         <p:spPr>
           <a:xfrm>
-            <a:off x="5882850" y="2318888"/>
-            <a:ext cx="3127897" cy="1854547"/>
+            <a:off x="5897880" y="1151648"/>
+            <a:ext cx="3010662" cy="1785038"/>
+          </a:xfrm>
+          <a:prstGeom prst="rect">
+            <a:avLst/>
+          </a:prstGeom>
+        </p:spPr>
+      </p:pic>
+      <p:pic>
+        <p:nvPicPr>
+          <p:cNvPr id="6" name="Picture 5" descr="A screenshot of a computer&#10;&#10;Description automatically generated">
+            <a:extLst>
+              <a:ext uri="{FF2B5EF4-FFF2-40B4-BE49-F238E27FC236}">
+                <a16:creationId xmlns:a16="http://schemas.microsoft.com/office/drawing/2014/main" id="{EC65FCF9-E7AE-D7F4-59E5-35EAF0103379}"/>
+              </a:ext>
+            </a:extLst>
+          </p:cNvPr>
+          <p:cNvPicPr>
+            <a:picLocks noChangeAspect="1"/>
+          </p:cNvPicPr>
+          <p:nvPr/>
+        </p:nvPicPr>
+        <p:blipFill>
+          <a:blip r:embed="rId3"/>
+          <a:stretch>
+            <a:fillRect/>
+          </a:stretch>
+        </p:blipFill>
+        <p:spPr>
+          <a:xfrm>
+            <a:off x="5897880" y="3752194"/>
+            <a:ext cx="2996946" cy="2007032"/>
           </a:xfrm>
           <a:prstGeom prst="rect">
             <a:avLst/>
